--- a/figures/example.pptx
+++ b/figures/example.pptx
@@ -6,6 +6,8 @@
   </p:sldMasterIdLst>
   <p:sldIdLst>
     <p:sldId id="257" r:id="rId2"/>
+    <p:sldId id="259" r:id="rId3"/>
+    <p:sldId id="258" r:id="rId4"/>
   </p:sldIdLst>
   <p:sldSz cx="9144000" cy="6858000" type="screen4x3"/>
   <p:notesSz cx="6858000" cy="9144000"/>
@@ -288,7 +290,7 @@
           <a:p>
             <a:fld id="{FE588DF8-D8AD-9047-9BA2-95467A15ECD3}" type="datetimeFigureOut">
               <a:rPr lang="en-US" smtClean="0"/>
-              <a:t>19/07/16</a:t>
+              <a:t>21/10/16</a:t>
             </a:fld>
             <a:endParaRPr lang="en-US"/>
           </a:p>
@@ -458,7 +460,7 @@
           <a:p>
             <a:fld id="{FE588DF8-D8AD-9047-9BA2-95467A15ECD3}" type="datetimeFigureOut">
               <a:rPr lang="en-US" smtClean="0"/>
-              <a:t>19/07/16</a:t>
+              <a:t>21/10/16</a:t>
             </a:fld>
             <a:endParaRPr lang="en-US"/>
           </a:p>
@@ -638,7 +640,7 @@
           <a:p>
             <a:fld id="{FE588DF8-D8AD-9047-9BA2-95467A15ECD3}" type="datetimeFigureOut">
               <a:rPr lang="en-US" smtClean="0"/>
-              <a:t>19/07/16</a:t>
+              <a:t>21/10/16</a:t>
             </a:fld>
             <a:endParaRPr lang="en-US"/>
           </a:p>
@@ -808,7 +810,7 @@
           <a:p>
             <a:fld id="{FE588DF8-D8AD-9047-9BA2-95467A15ECD3}" type="datetimeFigureOut">
               <a:rPr lang="en-US" smtClean="0"/>
-              <a:t>19/07/16</a:t>
+              <a:t>21/10/16</a:t>
             </a:fld>
             <a:endParaRPr lang="en-US"/>
           </a:p>
@@ -1054,7 +1056,7 @@
           <a:p>
             <a:fld id="{FE588DF8-D8AD-9047-9BA2-95467A15ECD3}" type="datetimeFigureOut">
               <a:rPr lang="en-US" smtClean="0"/>
-              <a:t>19/07/16</a:t>
+              <a:t>21/10/16</a:t>
             </a:fld>
             <a:endParaRPr lang="en-US"/>
           </a:p>
@@ -1342,7 +1344,7 @@
           <a:p>
             <a:fld id="{FE588DF8-D8AD-9047-9BA2-95467A15ECD3}" type="datetimeFigureOut">
               <a:rPr lang="en-US" smtClean="0"/>
-              <a:t>19/07/16</a:t>
+              <a:t>21/10/16</a:t>
             </a:fld>
             <a:endParaRPr lang="en-US"/>
           </a:p>
@@ -1764,7 +1766,7 @@
           <a:p>
             <a:fld id="{FE588DF8-D8AD-9047-9BA2-95467A15ECD3}" type="datetimeFigureOut">
               <a:rPr lang="en-US" smtClean="0"/>
-              <a:t>19/07/16</a:t>
+              <a:t>21/10/16</a:t>
             </a:fld>
             <a:endParaRPr lang="en-US"/>
           </a:p>
@@ -1882,7 +1884,7 @@
           <a:p>
             <a:fld id="{FE588DF8-D8AD-9047-9BA2-95467A15ECD3}" type="datetimeFigureOut">
               <a:rPr lang="en-US" smtClean="0"/>
-              <a:t>19/07/16</a:t>
+              <a:t>21/10/16</a:t>
             </a:fld>
             <a:endParaRPr lang="en-US"/>
           </a:p>
@@ -1977,7 +1979,7 @@
           <a:p>
             <a:fld id="{FE588DF8-D8AD-9047-9BA2-95467A15ECD3}" type="datetimeFigureOut">
               <a:rPr lang="en-US" smtClean="0"/>
-              <a:t>19/07/16</a:t>
+              <a:t>21/10/16</a:t>
             </a:fld>
             <a:endParaRPr lang="en-US"/>
           </a:p>
@@ -2254,7 +2256,7 @@
           <a:p>
             <a:fld id="{FE588DF8-D8AD-9047-9BA2-95467A15ECD3}" type="datetimeFigureOut">
               <a:rPr lang="en-US" smtClean="0"/>
-              <a:t>19/07/16</a:t>
+              <a:t>21/10/16</a:t>
             </a:fld>
             <a:endParaRPr lang="en-US"/>
           </a:p>
@@ -2507,7 +2509,7 @@
           <a:p>
             <a:fld id="{FE588DF8-D8AD-9047-9BA2-95467A15ECD3}" type="datetimeFigureOut">
               <a:rPr lang="en-US" smtClean="0"/>
-              <a:t>19/07/16</a:t>
+              <a:t>21/10/16</a:t>
             </a:fld>
             <a:endParaRPr lang="en-US"/>
           </a:p>
@@ -2720,7 +2722,7 @@
           <a:p>
             <a:fld id="{FE588DF8-D8AD-9047-9BA2-95467A15ECD3}" type="datetimeFigureOut">
               <a:rPr lang="en-US" smtClean="0"/>
-              <a:t>19/07/16</a:t>
+              <a:t>21/10/16</a:t>
             </a:fld>
             <a:endParaRPr lang="en-US"/>
           </a:p>
@@ -4236,6 +4238,2219 @@
     <p:extLst>
       <p:ext uri="{BB962C8B-B14F-4D97-AF65-F5344CB8AC3E}">
         <p14:creationId xmlns:p14="http://schemas.microsoft.com/office/powerpoint/2010/main" val="2387928528"/>
+      </p:ext>
+    </p:extLst>
+  </p:cSld>
+  <p:clrMapOvr>
+    <a:masterClrMapping/>
+  </p:clrMapOvr>
+</p:sld>
+</file>
+
+<file path=ppt/slides/slide2.xml><?xml version="1.0" encoding="utf-8"?>
+<p:sld xmlns:a="http://schemas.openxmlformats.org/drawingml/2006/main" xmlns:r="http://schemas.openxmlformats.org/officeDocument/2006/relationships" xmlns:p="http://schemas.openxmlformats.org/presentationml/2006/main">
+  <p:cSld>
+    <p:spTree>
+      <p:nvGrpSpPr>
+        <p:cNvPr id="1" name=""/>
+        <p:cNvGrpSpPr/>
+        <p:nvPr/>
+      </p:nvGrpSpPr>
+      <p:grpSpPr>
+        <a:xfrm>
+          <a:off x="0" y="0"/>
+          <a:ext cx="0" cy="0"/>
+          <a:chOff x="0" y="0"/>
+          <a:chExt cx="0" cy="0"/>
+        </a:xfrm>
+      </p:grpSpPr>
+      <p:cxnSp>
+        <p:nvCxnSpPr>
+          <p:cNvPr id="5" name="Straight Connector 4"/>
+          <p:cNvCxnSpPr/>
+          <p:nvPr/>
+        </p:nvCxnSpPr>
+        <p:spPr>
+          <a:xfrm>
+            <a:off x="1371600" y="854508"/>
+            <a:ext cx="0" cy="5693949"/>
+          </a:xfrm>
+          <a:prstGeom prst="line">
+            <a:avLst/>
+          </a:prstGeom>
+        </p:spPr>
+        <p:style>
+          <a:lnRef idx="2">
+            <a:schemeClr val="accent1"/>
+          </a:lnRef>
+          <a:fillRef idx="0">
+            <a:schemeClr val="accent1"/>
+          </a:fillRef>
+          <a:effectRef idx="1">
+            <a:schemeClr val="accent1"/>
+          </a:effectRef>
+          <a:fontRef idx="minor">
+            <a:schemeClr val="tx1"/>
+          </a:fontRef>
+        </p:style>
+      </p:cxnSp>
+      <p:cxnSp>
+        <p:nvCxnSpPr>
+          <p:cNvPr id="6" name="Straight Connector 5"/>
+          <p:cNvCxnSpPr/>
+          <p:nvPr/>
+        </p:nvCxnSpPr>
+        <p:spPr>
+          <a:xfrm>
+            <a:off x="3026092" y="854508"/>
+            <a:ext cx="0" cy="5693949"/>
+          </a:xfrm>
+          <a:prstGeom prst="line">
+            <a:avLst/>
+          </a:prstGeom>
+        </p:spPr>
+        <p:style>
+          <a:lnRef idx="2">
+            <a:schemeClr val="accent1"/>
+          </a:lnRef>
+          <a:fillRef idx="0">
+            <a:schemeClr val="accent1"/>
+          </a:fillRef>
+          <a:effectRef idx="1">
+            <a:schemeClr val="accent1"/>
+          </a:effectRef>
+          <a:fontRef idx="minor">
+            <a:schemeClr val="tx1"/>
+          </a:fontRef>
+        </p:style>
+      </p:cxnSp>
+      <p:cxnSp>
+        <p:nvCxnSpPr>
+          <p:cNvPr id="7" name="Straight Connector 6"/>
+          <p:cNvCxnSpPr/>
+          <p:nvPr/>
+        </p:nvCxnSpPr>
+        <p:spPr>
+          <a:xfrm>
+            <a:off x="4680584" y="854508"/>
+            <a:ext cx="0" cy="5693949"/>
+          </a:xfrm>
+          <a:prstGeom prst="line">
+            <a:avLst/>
+          </a:prstGeom>
+        </p:spPr>
+        <p:style>
+          <a:lnRef idx="2">
+            <a:schemeClr val="accent1"/>
+          </a:lnRef>
+          <a:fillRef idx="0">
+            <a:schemeClr val="accent1"/>
+          </a:fillRef>
+          <a:effectRef idx="1">
+            <a:schemeClr val="accent1"/>
+          </a:effectRef>
+          <a:fontRef idx="minor">
+            <a:schemeClr val="tx1"/>
+          </a:fontRef>
+        </p:style>
+      </p:cxnSp>
+      <p:cxnSp>
+        <p:nvCxnSpPr>
+          <p:cNvPr id="8" name="Straight Connector 7"/>
+          <p:cNvCxnSpPr/>
+          <p:nvPr/>
+        </p:nvCxnSpPr>
+        <p:spPr>
+          <a:xfrm>
+            <a:off x="1447473" y="1938984"/>
+            <a:ext cx="1596072" cy="780993"/>
+          </a:xfrm>
+          <a:prstGeom prst="line">
+            <a:avLst/>
+          </a:prstGeom>
+          <a:ln>
+            <a:tailEnd type="triangle" w="lg" len="med"/>
+          </a:ln>
+        </p:spPr>
+        <p:style>
+          <a:lnRef idx="2">
+            <a:schemeClr val="accent1"/>
+          </a:lnRef>
+          <a:fillRef idx="0">
+            <a:schemeClr val="accent1"/>
+          </a:fillRef>
+          <a:effectRef idx="1">
+            <a:schemeClr val="accent1"/>
+          </a:effectRef>
+          <a:fontRef idx="minor">
+            <a:schemeClr val="tx1"/>
+          </a:fontRef>
+        </p:style>
+      </p:cxnSp>
+      <p:cxnSp>
+        <p:nvCxnSpPr>
+          <p:cNvPr id="11" name="Straight Connector 10"/>
+          <p:cNvCxnSpPr/>
+          <p:nvPr/>
+        </p:nvCxnSpPr>
+        <p:spPr>
+          <a:xfrm>
+            <a:off x="1447473" y="1938984"/>
+            <a:ext cx="3192145" cy="3905211"/>
+          </a:xfrm>
+          <a:prstGeom prst="line">
+            <a:avLst/>
+          </a:prstGeom>
+          <a:ln>
+            <a:tailEnd type="triangle" w="lg" len="med"/>
+          </a:ln>
+        </p:spPr>
+        <p:style>
+          <a:lnRef idx="2">
+            <a:schemeClr val="accent1"/>
+          </a:lnRef>
+          <a:fillRef idx="0">
+            <a:schemeClr val="accent1"/>
+          </a:fillRef>
+          <a:effectRef idx="1">
+            <a:schemeClr val="accent1"/>
+          </a:effectRef>
+          <a:fontRef idx="minor">
+            <a:schemeClr val="tx1"/>
+          </a:fontRef>
+        </p:style>
+      </p:cxnSp>
+      <p:sp>
+        <p:nvSpPr>
+          <p:cNvPr id="14" name="TextBox 13"/>
+          <p:cNvSpPr txBox="1"/>
+          <p:nvPr/>
+        </p:nvSpPr>
+        <p:spPr>
+          <a:xfrm>
+            <a:off x="1972749" y="1735443"/>
+            <a:ext cx="1624062" cy="461665"/>
+          </a:xfrm>
+          <a:prstGeom prst="rect">
+            <a:avLst/>
+          </a:prstGeom>
+          <a:noFill/>
+        </p:spPr>
+        <p:txBody>
+          <a:bodyPr wrap="none" rtlCol="0">
+            <a:spAutoFit/>
+          </a:bodyPr>
+          <a:lstStyle/>
+          <a:p>
+            <a:r>
+              <a:rPr lang="en-US" sz="2400" dirty="0" smtClean="0"/>
+              <a:t>Prepare(</a:t>
+            </a:r>
+            <a:r>
+              <a:rPr lang="en-US" sz="2400" dirty="0" smtClean="0"/>
+              <a:t>X</a:t>
+            </a:r>
+            <a:r>
+              <a:rPr lang="en-US" sz="2400" baseline="30000" dirty="0"/>
+              <a:t>1</a:t>
+            </a:r>
+            <a:r>
+              <a:rPr lang="en-US" sz="2400" dirty="0" smtClean="0"/>
+              <a:t>)</a:t>
+            </a:r>
+            <a:endParaRPr lang="en-US" sz="2400" dirty="0"/>
+          </a:p>
+        </p:txBody>
+      </p:sp>
+      <p:cxnSp>
+        <p:nvCxnSpPr>
+          <p:cNvPr id="18" name="Straight Connector 17"/>
+          <p:cNvCxnSpPr/>
+          <p:nvPr/>
+        </p:nvCxnSpPr>
+        <p:spPr>
+          <a:xfrm>
+            <a:off x="6605999" y="854508"/>
+            <a:ext cx="0" cy="5693949"/>
+          </a:xfrm>
+          <a:prstGeom prst="line">
+            <a:avLst/>
+          </a:prstGeom>
+        </p:spPr>
+        <p:style>
+          <a:lnRef idx="2">
+            <a:schemeClr val="accent1"/>
+          </a:lnRef>
+          <a:fillRef idx="0">
+            <a:schemeClr val="accent1"/>
+          </a:fillRef>
+          <a:effectRef idx="1">
+            <a:schemeClr val="accent1"/>
+          </a:effectRef>
+          <a:fontRef idx="minor">
+            <a:schemeClr val="tx1"/>
+          </a:fontRef>
+        </p:style>
+      </p:cxnSp>
+      <p:cxnSp>
+        <p:nvCxnSpPr>
+          <p:cNvPr id="19" name="Straight Connector 18"/>
+          <p:cNvCxnSpPr/>
+          <p:nvPr/>
+        </p:nvCxnSpPr>
+        <p:spPr>
+          <a:xfrm flipH="1">
+            <a:off x="3026092" y="3345414"/>
+            <a:ext cx="3579908" cy="464255"/>
+          </a:xfrm>
+          <a:prstGeom prst="line">
+            <a:avLst/>
+          </a:prstGeom>
+          <a:ln>
+            <a:tailEnd type="triangle" w="lg" len="med"/>
+          </a:ln>
+        </p:spPr>
+        <p:style>
+          <a:lnRef idx="2">
+            <a:schemeClr val="accent1"/>
+          </a:lnRef>
+          <a:fillRef idx="0">
+            <a:schemeClr val="accent1"/>
+          </a:fillRef>
+          <a:effectRef idx="1">
+            <a:schemeClr val="accent1"/>
+          </a:effectRef>
+          <a:fontRef idx="minor">
+            <a:schemeClr val="tx1"/>
+          </a:fontRef>
+        </p:style>
+      </p:cxnSp>
+      <p:cxnSp>
+        <p:nvCxnSpPr>
+          <p:cNvPr id="22" name="Straight Connector 21"/>
+          <p:cNvCxnSpPr/>
+          <p:nvPr/>
+        </p:nvCxnSpPr>
+        <p:spPr>
+          <a:xfrm flipH="1">
+            <a:off x="4748204" y="3755064"/>
+            <a:ext cx="1857796" cy="268308"/>
+          </a:xfrm>
+          <a:prstGeom prst="line">
+            <a:avLst/>
+          </a:prstGeom>
+          <a:ln>
+            <a:tailEnd type="triangle" w="lg" len="med"/>
+          </a:ln>
+        </p:spPr>
+        <p:style>
+          <a:lnRef idx="2">
+            <a:schemeClr val="accent1"/>
+          </a:lnRef>
+          <a:fillRef idx="0">
+            <a:schemeClr val="accent1"/>
+          </a:fillRef>
+          <a:effectRef idx="1">
+            <a:schemeClr val="accent1"/>
+          </a:effectRef>
+          <a:fontRef idx="minor">
+            <a:schemeClr val="tx1"/>
+          </a:fontRef>
+        </p:style>
+      </p:cxnSp>
+      <p:sp>
+        <p:nvSpPr>
+          <p:cNvPr id="28" name="TextBox 27"/>
+          <p:cNvSpPr txBox="1"/>
+          <p:nvPr/>
+        </p:nvSpPr>
+        <p:spPr>
+          <a:xfrm>
+            <a:off x="7182415" y="3059647"/>
+            <a:ext cx="1665841" cy="830997"/>
+          </a:xfrm>
+          <a:prstGeom prst="rect">
+            <a:avLst/>
+          </a:prstGeom>
+          <a:noFill/>
+        </p:spPr>
+        <p:txBody>
+          <a:bodyPr wrap="none" rtlCol="0">
+            <a:spAutoFit/>
+          </a:bodyPr>
+          <a:lstStyle/>
+          <a:p>
+            <a:r>
+              <a:rPr lang="en-US" sz="2400" dirty="0" smtClean="0"/>
+              <a:t>read</a:t>
+            </a:r>
+            <a:r>
+              <a:rPr lang="en-US" sz="2400" dirty="0" smtClean="0"/>
+              <a:t>(X)</a:t>
+            </a:r>
+            <a:r>
+              <a:rPr lang="en-US" sz="2400" dirty="0" smtClean="0">
+                <a:sym typeface="Wingdings"/>
+              </a:rPr>
+              <a:t></a:t>
+            </a:r>
+            <a:r>
+              <a:rPr lang="en-US" sz="2400" dirty="0" smtClean="0"/>
+              <a:t>X</a:t>
+            </a:r>
+            <a:r>
+              <a:rPr lang="en-US" sz="2400" baseline="30000" dirty="0"/>
+              <a:t>1</a:t>
+            </a:r>
+            <a:endParaRPr lang="en-US" sz="2400" dirty="0" smtClean="0"/>
+          </a:p>
+          <a:p>
+            <a:r>
+              <a:rPr lang="en-US" sz="2400" dirty="0" smtClean="0"/>
+              <a:t>read(Y)</a:t>
+            </a:r>
+            <a:r>
+              <a:rPr lang="en-US" sz="2400" dirty="0" smtClean="0">
+                <a:sym typeface="Wingdings"/>
+              </a:rPr>
+              <a:t>Y</a:t>
+            </a:r>
+            <a:r>
+              <a:rPr lang="en-US" sz="2400" baseline="30000" dirty="0" smtClean="0">
+                <a:sym typeface="Wingdings"/>
+              </a:rPr>
+              <a:t>0</a:t>
+            </a:r>
+            <a:endParaRPr lang="en-US" sz="2400" baseline="30000" dirty="0" smtClean="0"/>
+          </a:p>
+        </p:txBody>
+      </p:sp>
+      <p:sp>
+        <p:nvSpPr>
+          <p:cNvPr id="30" name="TextBox 29"/>
+          <p:cNvSpPr txBox="1"/>
+          <p:nvPr/>
+        </p:nvSpPr>
+        <p:spPr>
+          <a:xfrm>
+            <a:off x="3082363" y="2860275"/>
+            <a:ext cx="1665841" cy="830997"/>
+          </a:xfrm>
+          <a:prstGeom prst="rect">
+            <a:avLst/>
+          </a:prstGeom>
+          <a:noFill/>
+        </p:spPr>
+        <p:txBody>
+          <a:bodyPr wrap="none" rtlCol="0">
+            <a:spAutoFit/>
+          </a:bodyPr>
+          <a:lstStyle/>
+          <a:p>
+            <a:endParaRPr lang="en-US" sz="2400" dirty="0" smtClean="0"/>
+          </a:p>
+          <a:p>
+            <a:r>
+              <a:rPr lang="en-US" sz="2400" dirty="0" smtClean="0"/>
+              <a:t>read(X)</a:t>
+            </a:r>
+            <a:r>
+              <a:rPr lang="en-US" sz="2400" dirty="0" smtClean="0">
+                <a:sym typeface="Wingdings"/>
+              </a:rPr>
+              <a:t></a:t>
+            </a:r>
+            <a:r>
+              <a:rPr lang="en-US" sz="2400" dirty="0" smtClean="0">
+                <a:sym typeface="Wingdings"/>
+              </a:rPr>
+              <a:t>X</a:t>
+            </a:r>
+            <a:r>
+              <a:rPr lang="en-US" sz="2400" baseline="30000" dirty="0" smtClean="0">
+                <a:sym typeface="Wingdings"/>
+              </a:rPr>
+              <a:t>1</a:t>
+            </a:r>
+            <a:endParaRPr lang="en-US" sz="2400" baseline="30000" dirty="0"/>
+          </a:p>
+        </p:txBody>
+      </p:sp>
+      <p:sp>
+        <p:nvSpPr>
+          <p:cNvPr id="31" name="TextBox 30"/>
+          <p:cNvSpPr txBox="1"/>
+          <p:nvPr/>
+        </p:nvSpPr>
+        <p:spPr>
+          <a:xfrm>
+            <a:off x="377613" y="764006"/>
+            <a:ext cx="490639" cy="461665"/>
+          </a:xfrm>
+          <a:prstGeom prst="rect">
+            <a:avLst/>
+          </a:prstGeom>
+          <a:noFill/>
+        </p:spPr>
+        <p:txBody>
+          <a:bodyPr wrap="none" rtlCol="0">
+            <a:spAutoFit/>
+          </a:bodyPr>
+          <a:lstStyle/>
+          <a:p>
+            <a:r>
+              <a:rPr lang="en-US" sz="2400" dirty="0" smtClean="0"/>
+              <a:t>T1</a:t>
+            </a:r>
+            <a:endParaRPr lang="en-US" sz="2400" dirty="0"/>
+          </a:p>
+        </p:txBody>
+      </p:sp>
+      <p:sp>
+        <p:nvSpPr>
+          <p:cNvPr id="34" name="TextBox 33"/>
+          <p:cNvSpPr txBox="1"/>
+          <p:nvPr/>
+        </p:nvSpPr>
+        <p:spPr>
+          <a:xfrm>
+            <a:off x="1201273" y="97106"/>
+            <a:ext cx="450364" cy="830997"/>
+          </a:xfrm>
+          <a:prstGeom prst="rect">
+            <a:avLst/>
+          </a:prstGeom>
+          <a:noFill/>
+        </p:spPr>
+        <p:txBody>
+          <a:bodyPr wrap="none" rtlCol="0">
+            <a:spAutoFit/>
+          </a:bodyPr>
+          <a:lstStyle/>
+          <a:p>
+            <a:pPr algn="ctr"/>
+            <a:r>
+              <a:rPr lang="en-US" sz="2400" dirty="0" smtClean="0"/>
+              <a:t>n</a:t>
+            </a:r>
+            <a:r>
+              <a:rPr lang="en-US" sz="2400" baseline="-25000" dirty="0" smtClean="0"/>
+              <a:t>1</a:t>
+            </a:r>
+            <a:br>
+              <a:rPr lang="en-US" sz="2400" baseline="-25000" dirty="0" smtClean="0"/>
+            </a:br>
+            <a:endParaRPr lang="en-US" sz="2400" dirty="0"/>
+          </a:p>
+        </p:txBody>
+      </p:sp>
+      <p:sp>
+        <p:nvSpPr>
+          <p:cNvPr id="35" name="TextBox 34"/>
+          <p:cNvSpPr txBox="1"/>
+          <p:nvPr/>
+        </p:nvSpPr>
+        <p:spPr>
+          <a:xfrm>
+            <a:off x="2434210" y="71991"/>
+            <a:ext cx="1367231" cy="830997"/>
+          </a:xfrm>
+          <a:prstGeom prst="rect">
+            <a:avLst/>
+          </a:prstGeom>
+          <a:noFill/>
+        </p:spPr>
+        <p:txBody>
+          <a:bodyPr wrap="none" rtlCol="0">
+            <a:spAutoFit/>
+          </a:bodyPr>
+          <a:lstStyle/>
+          <a:p>
+            <a:pPr algn="ctr"/>
+            <a:r>
+              <a:rPr lang="en-US" sz="2400" dirty="0" smtClean="0"/>
+              <a:t>n</a:t>
+            </a:r>
+            <a:r>
+              <a:rPr lang="en-US" sz="2400" baseline="-25000" dirty="0" smtClean="0"/>
+              <a:t>2</a:t>
+            </a:r>
+          </a:p>
+          <a:p>
+            <a:pPr algn="ctr"/>
+            <a:r>
+              <a:rPr lang="en-US" sz="2400" dirty="0" smtClean="0"/>
+              <a:t>(stores X)</a:t>
+            </a:r>
+            <a:endParaRPr lang="en-US" sz="2400" dirty="0"/>
+          </a:p>
+        </p:txBody>
+      </p:sp>
+      <p:sp>
+        <p:nvSpPr>
+          <p:cNvPr id="36" name="TextBox 35"/>
+          <p:cNvSpPr txBox="1"/>
+          <p:nvPr/>
+        </p:nvSpPr>
+        <p:spPr>
+          <a:xfrm>
+            <a:off x="4015468" y="46876"/>
+            <a:ext cx="1357463" cy="830997"/>
+          </a:xfrm>
+          <a:prstGeom prst="rect">
+            <a:avLst/>
+          </a:prstGeom>
+          <a:noFill/>
+        </p:spPr>
+        <p:txBody>
+          <a:bodyPr wrap="none" rtlCol="0">
+            <a:spAutoFit/>
+          </a:bodyPr>
+          <a:lstStyle/>
+          <a:p>
+            <a:pPr lvl="0" algn="ctr"/>
+            <a:r>
+              <a:rPr lang="en-US" sz="2400" dirty="0" smtClean="0">
+                <a:solidFill>
+                  <a:prstClr val="black"/>
+                </a:solidFill>
+              </a:rPr>
+              <a:t>n</a:t>
+            </a:r>
+            <a:r>
+              <a:rPr lang="en-US" sz="2400" baseline="-25000" dirty="0" smtClean="0">
+                <a:solidFill>
+                  <a:prstClr val="black"/>
+                </a:solidFill>
+              </a:rPr>
+              <a:t>3</a:t>
+            </a:r>
+            <a:r>
+              <a:rPr lang="en-US" sz="2400" baseline="-25000" dirty="0">
+                <a:solidFill>
+                  <a:prstClr val="black"/>
+                </a:solidFill>
+              </a:rPr>
+              <a:t/>
+            </a:r>
+            <a:br>
+              <a:rPr lang="en-US" sz="2400" baseline="-25000" dirty="0">
+                <a:solidFill>
+                  <a:prstClr val="black"/>
+                </a:solidFill>
+              </a:rPr>
+            </a:br>
+            <a:r>
+              <a:rPr lang="en-US" sz="2400" dirty="0">
+                <a:solidFill>
+                  <a:prstClr val="black"/>
+                </a:solidFill>
+              </a:rPr>
+              <a:t>(stores </a:t>
+            </a:r>
+            <a:r>
+              <a:rPr lang="en-US" sz="2400" dirty="0" smtClean="0">
+                <a:solidFill>
+                  <a:prstClr val="black"/>
+                </a:solidFill>
+              </a:rPr>
+              <a:t>Y)</a:t>
+            </a:r>
+            <a:endParaRPr lang="en-US" sz="2400" dirty="0">
+              <a:solidFill>
+                <a:prstClr val="black"/>
+              </a:solidFill>
+            </a:endParaRPr>
+          </a:p>
+        </p:txBody>
+      </p:sp>
+      <p:sp>
+        <p:nvSpPr>
+          <p:cNvPr id="37" name="TextBox 36"/>
+          <p:cNvSpPr txBox="1"/>
+          <p:nvPr/>
+        </p:nvSpPr>
+        <p:spPr>
+          <a:xfrm>
+            <a:off x="6462393" y="21761"/>
+            <a:ext cx="453970" cy="830997"/>
+          </a:xfrm>
+          <a:prstGeom prst="rect">
+            <a:avLst/>
+          </a:prstGeom>
+          <a:noFill/>
+        </p:spPr>
+        <p:txBody>
+          <a:bodyPr wrap="none" rtlCol="0">
+            <a:spAutoFit/>
+          </a:bodyPr>
+          <a:lstStyle/>
+          <a:p>
+            <a:pPr algn="ctr"/>
+            <a:r>
+              <a:rPr lang="en-US" sz="2400" dirty="0" smtClean="0"/>
+              <a:t>n</a:t>
+            </a:r>
+            <a:r>
+              <a:rPr lang="en-US" sz="2400" baseline="-25000" dirty="0"/>
+              <a:t>4</a:t>
+            </a:r>
+            <a:r>
+              <a:rPr lang="en-US" sz="2400" baseline="-25000" dirty="0" smtClean="0"/>
+              <a:t/>
+            </a:r>
+            <a:br>
+              <a:rPr lang="en-US" sz="2400" baseline="-25000" dirty="0" smtClean="0"/>
+            </a:br>
+            <a:endParaRPr lang="en-US" sz="2400" dirty="0"/>
+          </a:p>
+        </p:txBody>
+      </p:sp>
+      <p:sp>
+        <p:nvSpPr>
+          <p:cNvPr id="38" name="TextBox 37"/>
+          <p:cNvSpPr txBox="1"/>
+          <p:nvPr/>
+        </p:nvSpPr>
+        <p:spPr>
+          <a:xfrm>
+            <a:off x="1351477" y="3524231"/>
+            <a:ext cx="1614294" cy="461665"/>
+          </a:xfrm>
+          <a:prstGeom prst="rect">
+            <a:avLst/>
+          </a:prstGeom>
+          <a:noFill/>
+        </p:spPr>
+        <p:txBody>
+          <a:bodyPr wrap="none" rtlCol="0">
+            <a:spAutoFit/>
+          </a:bodyPr>
+          <a:lstStyle/>
+          <a:p>
+            <a:r>
+              <a:rPr lang="en-US" sz="2400" dirty="0" smtClean="0"/>
+              <a:t>Prepare</a:t>
+            </a:r>
+            <a:r>
+              <a:rPr lang="en-US" sz="2400" smtClean="0"/>
+              <a:t>(</a:t>
+            </a:r>
+            <a:r>
+              <a:rPr lang="en-US" sz="2400" smtClean="0"/>
+              <a:t>Y</a:t>
+            </a:r>
+            <a:r>
+              <a:rPr lang="en-US" sz="2400" baseline="30000" smtClean="0"/>
+              <a:t>1</a:t>
+            </a:r>
+            <a:r>
+              <a:rPr lang="en-US" sz="2400" smtClean="0"/>
+              <a:t>)</a:t>
+            </a:r>
+            <a:endParaRPr lang="en-US" sz="2400" dirty="0"/>
+          </a:p>
+        </p:txBody>
+      </p:sp>
+      <p:sp>
+        <p:nvSpPr>
+          <p:cNvPr id="39" name="Rectangle 38"/>
+          <p:cNvSpPr/>
+          <p:nvPr/>
+        </p:nvSpPr>
+        <p:spPr>
+          <a:xfrm>
+            <a:off x="1371600" y="927047"/>
+            <a:ext cx="362636" cy="998282"/>
+          </a:xfrm>
+          <a:prstGeom prst="rect">
+            <a:avLst/>
+          </a:prstGeom>
+        </p:spPr>
+        <p:style>
+          <a:lnRef idx="2">
+            <a:schemeClr val="dk1"/>
+          </a:lnRef>
+          <a:fillRef idx="1">
+            <a:schemeClr val="lt1"/>
+          </a:fillRef>
+          <a:effectRef idx="0">
+            <a:schemeClr val="dk1"/>
+          </a:effectRef>
+          <a:fontRef idx="minor">
+            <a:schemeClr val="dk1"/>
+          </a:fontRef>
+        </p:style>
+        <p:txBody>
+          <a:bodyPr rtlCol="0" anchor="ctr"/>
+          <a:lstStyle/>
+          <a:p>
+            <a:pPr algn="ctr">
+              <a:lnSpc>
+                <a:spcPct val="70000"/>
+              </a:lnSpc>
+            </a:pPr>
+            <a:r>
+              <a:rPr lang="en-US" dirty="0" smtClean="0"/>
+              <a:t>EXEC</a:t>
+            </a:r>
+            <a:endParaRPr lang="en-US" dirty="0"/>
+          </a:p>
+        </p:txBody>
+      </p:sp>
+      <p:sp>
+        <p:nvSpPr>
+          <p:cNvPr id="45" name="TextBox 44"/>
+          <p:cNvSpPr txBox="1"/>
+          <p:nvPr/>
+        </p:nvSpPr>
+        <p:spPr>
+          <a:xfrm>
+            <a:off x="7365179" y="2391648"/>
+            <a:ext cx="490639" cy="461665"/>
+          </a:xfrm>
+          <a:prstGeom prst="rect">
+            <a:avLst/>
+          </a:prstGeom>
+          <a:noFill/>
+        </p:spPr>
+        <p:txBody>
+          <a:bodyPr wrap="none" rtlCol="0">
+            <a:spAutoFit/>
+          </a:bodyPr>
+          <a:lstStyle/>
+          <a:p>
+            <a:r>
+              <a:rPr lang="en-US" sz="2400" dirty="0" smtClean="0"/>
+              <a:t>T2</a:t>
+            </a:r>
+            <a:endParaRPr lang="en-US" sz="2400" dirty="0"/>
+          </a:p>
+        </p:txBody>
+      </p:sp>
+      <p:sp>
+        <p:nvSpPr>
+          <p:cNvPr id="46" name="TextBox 45"/>
+          <p:cNvSpPr txBox="1"/>
+          <p:nvPr/>
+        </p:nvSpPr>
+        <p:spPr>
+          <a:xfrm>
+            <a:off x="4895873" y="3746796"/>
+            <a:ext cx="1646304" cy="830997"/>
+          </a:xfrm>
+          <a:prstGeom prst="rect">
+            <a:avLst/>
+          </a:prstGeom>
+          <a:noFill/>
+        </p:spPr>
+        <p:txBody>
+          <a:bodyPr wrap="none" rtlCol="0">
+            <a:spAutoFit/>
+          </a:bodyPr>
+          <a:lstStyle/>
+          <a:p>
+            <a:endParaRPr lang="en-US" sz="2400" dirty="0" smtClean="0"/>
+          </a:p>
+          <a:p>
+            <a:r>
+              <a:rPr lang="en-US" sz="2400" dirty="0" smtClean="0"/>
+              <a:t>read(Y)</a:t>
+            </a:r>
+            <a:r>
+              <a:rPr lang="en-US" sz="2400" dirty="0" smtClean="0">
+                <a:sym typeface="Wingdings"/>
+              </a:rPr>
+              <a:t>Y</a:t>
+            </a:r>
+            <a:r>
+              <a:rPr lang="en-US" sz="2400" baseline="30000" dirty="0">
+                <a:sym typeface="Wingdings"/>
+              </a:rPr>
+              <a:t>0</a:t>
+            </a:r>
+            <a:endParaRPr lang="en-US" sz="2400" baseline="30000" dirty="0"/>
+          </a:p>
+        </p:txBody>
+      </p:sp>
+      <p:sp>
+        <p:nvSpPr>
+          <p:cNvPr id="48" name="TextBox 47"/>
+          <p:cNvSpPr txBox="1"/>
+          <p:nvPr/>
+        </p:nvSpPr>
+        <p:spPr>
+          <a:xfrm>
+            <a:off x="-51695" y="1190833"/>
+            <a:ext cx="1525778" cy="830997"/>
+          </a:xfrm>
+          <a:prstGeom prst="rect">
+            <a:avLst/>
+          </a:prstGeom>
+          <a:noFill/>
+        </p:spPr>
+        <p:txBody>
+          <a:bodyPr wrap="none" rtlCol="0">
+            <a:spAutoFit/>
+          </a:bodyPr>
+          <a:lstStyle/>
+          <a:p>
+            <a:r>
+              <a:rPr lang="en-US" sz="2400" dirty="0" smtClean="0"/>
+              <a:t>write(X,</a:t>
+            </a:r>
+            <a:r>
+              <a:rPr lang="en-US" sz="2400" dirty="0" smtClean="0"/>
+              <a:t>X</a:t>
+            </a:r>
+            <a:r>
+              <a:rPr lang="en-US" sz="2400" baseline="30000" dirty="0"/>
+              <a:t>1</a:t>
+            </a:r>
+            <a:r>
+              <a:rPr lang="en-US" sz="2400" dirty="0" smtClean="0"/>
+              <a:t>)</a:t>
+            </a:r>
+            <a:endParaRPr lang="en-US" sz="2400" dirty="0" smtClean="0"/>
+          </a:p>
+          <a:p>
+            <a:r>
+              <a:rPr lang="en-US" sz="2400" dirty="0" smtClean="0"/>
+              <a:t>write(Y,</a:t>
+            </a:r>
+            <a:r>
+              <a:rPr lang="en-US" sz="2400" dirty="0" smtClean="0"/>
+              <a:t>Y</a:t>
+            </a:r>
+            <a:r>
+              <a:rPr lang="en-US" sz="2400" baseline="30000" dirty="0"/>
+              <a:t>1</a:t>
+            </a:r>
+            <a:r>
+              <a:rPr lang="en-US" sz="2400" dirty="0" smtClean="0"/>
+              <a:t>)</a:t>
+            </a:r>
+            <a:endParaRPr lang="en-US" sz="2400" baseline="30000" dirty="0" smtClean="0"/>
+          </a:p>
+        </p:txBody>
+      </p:sp>
+      <p:sp>
+        <p:nvSpPr>
+          <p:cNvPr id="29" name="Rectangle 28"/>
+          <p:cNvSpPr/>
+          <p:nvPr/>
+        </p:nvSpPr>
+        <p:spPr>
+          <a:xfrm>
+            <a:off x="6624055" y="3025090"/>
+            <a:ext cx="362636" cy="998282"/>
+          </a:xfrm>
+          <a:prstGeom prst="rect">
+            <a:avLst/>
+          </a:prstGeom>
+        </p:spPr>
+        <p:style>
+          <a:lnRef idx="2">
+            <a:schemeClr val="dk1"/>
+          </a:lnRef>
+          <a:fillRef idx="1">
+            <a:schemeClr val="lt1"/>
+          </a:fillRef>
+          <a:effectRef idx="0">
+            <a:schemeClr val="dk1"/>
+          </a:effectRef>
+          <a:fontRef idx="minor">
+            <a:schemeClr val="dk1"/>
+          </a:fontRef>
+        </p:style>
+        <p:txBody>
+          <a:bodyPr rtlCol="0" anchor="ctr"/>
+          <a:lstStyle/>
+          <a:p>
+            <a:pPr algn="ctr">
+              <a:lnSpc>
+                <a:spcPct val="70000"/>
+              </a:lnSpc>
+            </a:pPr>
+            <a:r>
+              <a:rPr lang="en-US" dirty="0" smtClean="0"/>
+              <a:t>EXEC</a:t>
+            </a:r>
+            <a:endParaRPr lang="en-US" dirty="0"/>
+          </a:p>
+        </p:txBody>
+      </p:sp>
+    </p:spTree>
+    <p:extLst>
+      <p:ext uri="{BB962C8B-B14F-4D97-AF65-F5344CB8AC3E}">
+        <p14:creationId xmlns:p14="http://schemas.microsoft.com/office/powerpoint/2010/main" val="3683678945"/>
+      </p:ext>
+    </p:extLst>
+  </p:cSld>
+  <p:clrMapOvr>
+    <a:masterClrMapping/>
+  </p:clrMapOvr>
+</p:sld>
+</file>
+
+<file path=ppt/slides/slide3.xml><?xml version="1.0" encoding="utf-8"?>
+<p:sld xmlns:a="http://schemas.openxmlformats.org/drawingml/2006/main" xmlns:r="http://schemas.openxmlformats.org/officeDocument/2006/relationships" xmlns:p="http://schemas.openxmlformats.org/presentationml/2006/main">
+  <p:cSld>
+    <p:spTree>
+      <p:nvGrpSpPr>
+        <p:cNvPr id="1" name=""/>
+        <p:cNvGrpSpPr/>
+        <p:nvPr/>
+      </p:nvGrpSpPr>
+      <p:grpSpPr>
+        <a:xfrm>
+          <a:off x="0" y="0"/>
+          <a:ext cx="0" cy="0"/>
+          <a:chOff x="0" y="0"/>
+          <a:chExt cx="0" cy="0"/>
+        </a:xfrm>
+      </p:grpSpPr>
+      <p:cxnSp>
+        <p:nvCxnSpPr>
+          <p:cNvPr id="5" name="Straight Connector 4"/>
+          <p:cNvCxnSpPr/>
+          <p:nvPr/>
+        </p:nvCxnSpPr>
+        <p:spPr>
+          <a:xfrm>
+            <a:off x="1371600" y="854508"/>
+            <a:ext cx="0" cy="5693949"/>
+          </a:xfrm>
+          <a:prstGeom prst="line">
+            <a:avLst/>
+          </a:prstGeom>
+        </p:spPr>
+        <p:style>
+          <a:lnRef idx="2">
+            <a:schemeClr val="accent1"/>
+          </a:lnRef>
+          <a:fillRef idx="0">
+            <a:schemeClr val="accent1"/>
+          </a:fillRef>
+          <a:effectRef idx="1">
+            <a:schemeClr val="accent1"/>
+          </a:effectRef>
+          <a:fontRef idx="minor">
+            <a:schemeClr val="tx1"/>
+          </a:fontRef>
+        </p:style>
+      </p:cxnSp>
+      <p:cxnSp>
+        <p:nvCxnSpPr>
+          <p:cNvPr id="6" name="Straight Connector 5"/>
+          <p:cNvCxnSpPr/>
+          <p:nvPr/>
+        </p:nvCxnSpPr>
+        <p:spPr>
+          <a:xfrm>
+            <a:off x="3026092" y="854508"/>
+            <a:ext cx="0" cy="5693949"/>
+          </a:xfrm>
+          <a:prstGeom prst="line">
+            <a:avLst/>
+          </a:prstGeom>
+        </p:spPr>
+        <p:style>
+          <a:lnRef idx="2">
+            <a:schemeClr val="accent1"/>
+          </a:lnRef>
+          <a:fillRef idx="0">
+            <a:schemeClr val="accent1"/>
+          </a:fillRef>
+          <a:effectRef idx="1">
+            <a:schemeClr val="accent1"/>
+          </a:effectRef>
+          <a:fontRef idx="minor">
+            <a:schemeClr val="tx1"/>
+          </a:fontRef>
+        </p:style>
+      </p:cxnSp>
+      <p:cxnSp>
+        <p:nvCxnSpPr>
+          <p:cNvPr id="7" name="Straight Connector 6"/>
+          <p:cNvCxnSpPr/>
+          <p:nvPr/>
+        </p:nvCxnSpPr>
+        <p:spPr>
+          <a:xfrm>
+            <a:off x="4680584" y="854508"/>
+            <a:ext cx="0" cy="5693949"/>
+          </a:xfrm>
+          <a:prstGeom prst="line">
+            <a:avLst/>
+          </a:prstGeom>
+        </p:spPr>
+        <p:style>
+          <a:lnRef idx="2">
+            <a:schemeClr val="accent1"/>
+          </a:lnRef>
+          <a:fillRef idx="0">
+            <a:schemeClr val="accent1"/>
+          </a:fillRef>
+          <a:effectRef idx="1">
+            <a:schemeClr val="accent1"/>
+          </a:effectRef>
+          <a:fontRef idx="minor">
+            <a:schemeClr val="tx1"/>
+          </a:fontRef>
+        </p:style>
+      </p:cxnSp>
+      <p:cxnSp>
+        <p:nvCxnSpPr>
+          <p:cNvPr id="8" name="Straight Connector 7"/>
+          <p:cNvCxnSpPr/>
+          <p:nvPr/>
+        </p:nvCxnSpPr>
+        <p:spPr>
+          <a:xfrm>
+            <a:off x="1447473" y="1938984"/>
+            <a:ext cx="1596072" cy="780993"/>
+          </a:xfrm>
+          <a:prstGeom prst="line">
+            <a:avLst/>
+          </a:prstGeom>
+          <a:ln>
+            <a:tailEnd type="triangle" w="lg" len="med"/>
+          </a:ln>
+        </p:spPr>
+        <p:style>
+          <a:lnRef idx="2">
+            <a:schemeClr val="accent1"/>
+          </a:lnRef>
+          <a:fillRef idx="0">
+            <a:schemeClr val="accent1"/>
+          </a:fillRef>
+          <a:effectRef idx="1">
+            <a:schemeClr val="accent1"/>
+          </a:effectRef>
+          <a:fontRef idx="minor">
+            <a:schemeClr val="tx1"/>
+          </a:fontRef>
+        </p:style>
+      </p:cxnSp>
+      <p:cxnSp>
+        <p:nvCxnSpPr>
+          <p:cNvPr id="11" name="Straight Connector 10"/>
+          <p:cNvCxnSpPr/>
+          <p:nvPr/>
+        </p:nvCxnSpPr>
+        <p:spPr>
+          <a:xfrm>
+            <a:off x="1447473" y="1938984"/>
+            <a:ext cx="3192145" cy="3905211"/>
+          </a:xfrm>
+          <a:prstGeom prst="line">
+            <a:avLst/>
+          </a:prstGeom>
+          <a:ln>
+            <a:tailEnd type="triangle" w="lg" len="med"/>
+          </a:ln>
+        </p:spPr>
+        <p:style>
+          <a:lnRef idx="2">
+            <a:schemeClr val="accent1"/>
+          </a:lnRef>
+          <a:fillRef idx="0">
+            <a:schemeClr val="accent1"/>
+          </a:fillRef>
+          <a:effectRef idx="1">
+            <a:schemeClr val="accent1"/>
+          </a:effectRef>
+          <a:fontRef idx="minor">
+            <a:schemeClr val="tx1"/>
+          </a:fontRef>
+        </p:style>
+      </p:cxnSp>
+      <p:sp>
+        <p:nvSpPr>
+          <p:cNvPr id="14" name="TextBox 13"/>
+          <p:cNvSpPr txBox="1"/>
+          <p:nvPr/>
+        </p:nvSpPr>
+        <p:spPr>
+          <a:xfrm>
+            <a:off x="1943553" y="1750042"/>
+            <a:ext cx="1624062" cy="461665"/>
+          </a:xfrm>
+          <a:prstGeom prst="rect">
+            <a:avLst/>
+          </a:prstGeom>
+          <a:noFill/>
+        </p:spPr>
+        <p:txBody>
+          <a:bodyPr wrap="none" rtlCol="0">
+            <a:spAutoFit/>
+          </a:bodyPr>
+          <a:lstStyle/>
+          <a:p>
+            <a:r>
+              <a:rPr lang="en-US" sz="2400" dirty="0" smtClean="0"/>
+              <a:t>Prepare(X</a:t>
+            </a:r>
+            <a:r>
+              <a:rPr lang="en-US" sz="2400" baseline="30000" dirty="0"/>
+              <a:t>2</a:t>
+            </a:r>
+            <a:r>
+              <a:rPr lang="en-US" sz="2400" dirty="0" smtClean="0"/>
+              <a:t>)</a:t>
+            </a:r>
+            <a:endParaRPr lang="en-US" sz="2400" dirty="0"/>
+          </a:p>
+        </p:txBody>
+      </p:sp>
+      <p:cxnSp>
+        <p:nvCxnSpPr>
+          <p:cNvPr id="18" name="Straight Connector 17"/>
+          <p:cNvCxnSpPr/>
+          <p:nvPr/>
+        </p:nvCxnSpPr>
+        <p:spPr>
+          <a:xfrm>
+            <a:off x="6605999" y="854508"/>
+            <a:ext cx="0" cy="5693949"/>
+          </a:xfrm>
+          <a:prstGeom prst="line">
+            <a:avLst/>
+          </a:prstGeom>
+        </p:spPr>
+        <p:style>
+          <a:lnRef idx="2">
+            <a:schemeClr val="accent1"/>
+          </a:lnRef>
+          <a:fillRef idx="0">
+            <a:schemeClr val="accent1"/>
+          </a:fillRef>
+          <a:effectRef idx="1">
+            <a:schemeClr val="accent1"/>
+          </a:effectRef>
+          <a:fontRef idx="minor">
+            <a:schemeClr val="tx1"/>
+          </a:fontRef>
+        </p:style>
+      </p:cxnSp>
+      <p:cxnSp>
+        <p:nvCxnSpPr>
+          <p:cNvPr id="19" name="Straight Connector 18"/>
+          <p:cNvCxnSpPr/>
+          <p:nvPr/>
+        </p:nvCxnSpPr>
+        <p:spPr>
+          <a:xfrm flipH="1">
+            <a:off x="3043545" y="3345414"/>
+            <a:ext cx="3562455" cy="345858"/>
+          </a:xfrm>
+          <a:prstGeom prst="line">
+            <a:avLst/>
+          </a:prstGeom>
+          <a:ln>
+            <a:tailEnd type="triangle" w="lg" len="med"/>
+          </a:ln>
+        </p:spPr>
+        <p:style>
+          <a:lnRef idx="2">
+            <a:schemeClr val="accent1"/>
+          </a:lnRef>
+          <a:fillRef idx="0">
+            <a:schemeClr val="accent1"/>
+          </a:fillRef>
+          <a:effectRef idx="1">
+            <a:schemeClr val="accent1"/>
+          </a:effectRef>
+          <a:fontRef idx="minor">
+            <a:schemeClr val="tx1"/>
+          </a:fontRef>
+        </p:style>
+      </p:cxnSp>
+      <p:cxnSp>
+        <p:nvCxnSpPr>
+          <p:cNvPr id="22" name="Straight Connector 21"/>
+          <p:cNvCxnSpPr/>
+          <p:nvPr/>
+        </p:nvCxnSpPr>
+        <p:spPr>
+          <a:xfrm flipH="1">
+            <a:off x="4680584" y="3755064"/>
+            <a:ext cx="1925416" cy="1488346"/>
+          </a:xfrm>
+          <a:prstGeom prst="line">
+            <a:avLst/>
+          </a:prstGeom>
+          <a:ln>
+            <a:tailEnd type="triangle" w="lg" len="med"/>
+          </a:ln>
+        </p:spPr>
+        <p:style>
+          <a:lnRef idx="2">
+            <a:schemeClr val="accent1"/>
+          </a:lnRef>
+          <a:fillRef idx="0">
+            <a:schemeClr val="accent1"/>
+          </a:fillRef>
+          <a:effectRef idx="1">
+            <a:schemeClr val="accent1"/>
+          </a:effectRef>
+          <a:fontRef idx="minor">
+            <a:schemeClr val="tx1"/>
+          </a:fontRef>
+        </p:style>
+      </p:cxnSp>
+      <p:sp>
+        <p:nvSpPr>
+          <p:cNvPr id="17" name="TextBox 16"/>
+          <p:cNvSpPr txBox="1"/>
+          <p:nvPr/>
+        </p:nvSpPr>
+        <p:spPr>
+          <a:xfrm>
+            <a:off x="7262433" y="902341"/>
+            <a:ext cx="490639" cy="461665"/>
+          </a:xfrm>
+          <a:prstGeom prst="rect">
+            <a:avLst/>
+          </a:prstGeom>
+          <a:noFill/>
+        </p:spPr>
+        <p:txBody>
+          <a:bodyPr wrap="none" rtlCol="0">
+            <a:spAutoFit/>
+          </a:bodyPr>
+          <a:lstStyle/>
+          <a:p>
+            <a:r>
+              <a:rPr lang="en-US" sz="2400" dirty="0" smtClean="0"/>
+              <a:t>T1</a:t>
+            </a:r>
+            <a:endParaRPr lang="en-US" sz="2400" dirty="0"/>
+          </a:p>
+        </p:txBody>
+      </p:sp>
+      <p:sp>
+        <p:nvSpPr>
+          <p:cNvPr id="24" name="TextBox 23"/>
+          <p:cNvSpPr txBox="1"/>
+          <p:nvPr/>
+        </p:nvSpPr>
+        <p:spPr>
+          <a:xfrm>
+            <a:off x="7007420" y="2115762"/>
+            <a:ext cx="1608433" cy="461665"/>
+          </a:xfrm>
+          <a:prstGeom prst="rect">
+            <a:avLst/>
+          </a:prstGeom>
+          <a:noFill/>
+        </p:spPr>
+        <p:txBody>
+          <a:bodyPr wrap="none" rtlCol="0">
+            <a:spAutoFit/>
+          </a:bodyPr>
+          <a:lstStyle/>
+          <a:p>
+            <a:r>
+              <a:rPr lang="en-US" sz="2400" dirty="0" smtClean="0"/>
+              <a:t>Prepare(Z</a:t>
+            </a:r>
+            <a:r>
+              <a:rPr lang="en-US" sz="2400" baseline="30000" dirty="0"/>
+              <a:t>1</a:t>
+            </a:r>
+            <a:r>
+              <a:rPr lang="en-US" sz="2400" dirty="0" smtClean="0"/>
+              <a:t>)</a:t>
+            </a:r>
+            <a:endParaRPr lang="en-US" sz="2400" dirty="0"/>
+          </a:p>
+        </p:txBody>
+      </p:sp>
+      <p:sp>
+        <p:nvSpPr>
+          <p:cNvPr id="28" name="TextBox 27"/>
+          <p:cNvSpPr txBox="1"/>
+          <p:nvPr/>
+        </p:nvSpPr>
+        <p:spPr>
+          <a:xfrm>
+            <a:off x="7255405" y="3380825"/>
+            <a:ext cx="1665841" cy="830997"/>
+          </a:xfrm>
+          <a:prstGeom prst="rect">
+            <a:avLst/>
+          </a:prstGeom>
+          <a:noFill/>
+        </p:spPr>
+        <p:txBody>
+          <a:bodyPr wrap="none" rtlCol="0">
+            <a:spAutoFit/>
+          </a:bodyPr>
+          <a:lstStyle/>
+          <a:p>
+            <a:r>
+              <a:rPr lang="en-US" sz="2400" dirty="0" smtClean="0"/>
+              <a:t>read</a:t>
+            </a:r>
+            <a:r>
+              <a:rPr lang="en-US" sz="2400" dirty="0" smtClean="0"/>
+              <a:t>(X)</a:t>
+            </a:r>
+            <a:r>
+              <a:rPr lang="en-US" sz="2400" dirty="0" smtClean="0">
+                <a:sym typeface="Wingdings"/>
+              </a:rPr>
+              <a:t></a:t>
+            </a:r>
+            <a:r>
+              <a:rPr lang="en-US" sz="2400" dirty="0" smtClean="0"/>
+              <a:t>X</a:t>
+            </a:r>
+            <a:r>
+              <a:rPr lang="en-US" sz="2400" baseline="30000" dirty="0" smtClean="0"/>
+              <a:t>2</a:t>
+            </a:r>
+            <a:endParaRPr lang="en-US" sz="2400" dirty="0" smtClean="0"/>
+          </a:p>
+          <a:p>
+            <a:r>
+              <a:rPr lang="en-US" sz="2400" dirty="0" smtClean="0"/>
+              <a:t>read(Y)</a:t>
+            </a:r>
+            <a:r>
+              <a:rPr lang="en-US" sz="2400" dirty="0" smtClean="0">
+                <a:sym typeface="Wingdings"/>
+              </a:rPr>
+              <a:t></a:t>
+            </a:r>
+            <a:r>
+              <a:rPr lang="en-US" sz="2400" dirty="0" smtClean="0">
+                <a:sym typeface="Wingdings"/>
+              </a:rPr>
+              <a:t>Y</a:t>
+            </a:r>
+            <a:r>
+              <a:rPr lang="en-US" sz="2400" baseline="30000" dirty="0" smtClean="0">
+                <a:sym typeface="Wingdings"/>
+              </a:rPr>
+              <a:t>1</a:t>
+            </a:r>
+            <a:endParaRPr lang="en-US" sz="2400" baseline="30000" dirty="0" smtClean="0"/>
+          </a:p>
+        </p:txBody>
+      </p:sp>
+      <p:sp>
+        <p:nvSpPr>
+          <p:cNvPr id="30" name="TextBox 29"/>
+          <p:cNvSpPr txBox="1"/>
+          <p:nvPr/>
+        </p:nvSpPr>
+        <p:spPr>
+          <a:xfrm>
+            <a:off x="3140755" y="2641290"/>
+            <a:ext cx="1665841" cy="830997"/>
+          </a:xfrm>
+          <a:prstGeom prst="rect">
+            <a:avLst/>
+          </a:prstGeom>
+          <a:noFill/>
+        </p:spPr>
+        <p:txBody>
+          <a:bodyPr wrap="none" rtlCol="0">
+            <a:spAutoFit/>
+          </a:bodyPr>
+          <a:lstStyle/>
+          <a:p>
+            <a:endParaRPr lang="en-US" sz="2400" dirty="0" smtClean="0"/>
+          </a:p>
+          <a:p>
+            <a:r>
+              <a:rPr lang="en-US" sz="2400" dirty="0" smtClean="0"/>
+              <a:t>read(X)</a:t>
+            </a:r>
+            <a:r>
+              <a:rPr lang="en-US" sz="2400" dirty="0" smtClean="0">
+                <a:sym typeface="Wingdings"/>
+              </a:rPr>
+              <a:t>X</a:t>
+            </a:r>
+            <a:r>
+              <a:rPr lang="en-US" sz="2400" baseline="30000" dirty="0" smtClean="0">
+                <a:sym typeface="Wingdings"/>
+              </a:rPr>
+              <a:t>2</a:t>
+            </a:r>
+            <a:endParaRPr lang="en-US" sz="2400" baseline="30000" dirty="0"/>
+          </a:p>
+        </p:txBody>
+      </p:sp>
+      <p:sp>
+        <p:nvSpPr>
+          <p:cNvPr id="31" name="TextBox 30"/>
+          <p:cNvSpPr txBox="1"/>
+          <p:nvPr/>
+        </p:nvSpPr>
+        <p:spPr>
+          <a:xfrm>
+            <a:off x="377613" y="764006"/>
+            <a:ext cx="490639" cy="461665"/>
+          </a:xfrm>
+          <a:prstGeom prst="rect">
+            <a:avLst/>
+          </a:prstGeom>
+          <a:noFill/>
+        </p:spPr>
+        <p:txBody>
+          <a:bodyPr wrap="none" rtlCol="0">
+            <a:spAutoFit/>
+          </a:bodyPr>
+          <a:lstStyle/>
+          <a:p>
+            <a:r>
+              <a:rPr lang="en-US" sz="2400" dirty="0" smtClean="0"/>
+              <a:t>T2</a:t>
+            </a:r>
+            <a:endParaRPr lang="en-US" sz="2400" dirty="0"/>
+          </a:p>
+        </p:txBody>
+      </p:sp>
+      <p:sp>
+        <p:nvSpPr>
+          <p:cNvPr id="34" name="TextBox 33"/>
+          <p:cNvSpPr txBox="1"/>
+          <p:nvPr/>
+        </p:nvSpPr>
+        <p:spPr>
+          <a:xfrm>
+            <a:off x="1201273" y="97106"/>
+            <a:ext cx="450364" cy="830997"/>
+          </a:xfrm>
+          <a:prstGeom prst="rect">
+            <a:avLst/>
+          </a:prstGeom>
+          <a:noFill/>
+        </p:spPr>
+        <p:txBody>
+          <a:bodyPr wrap="none" rtlCol="0">
+            <a:spAutoFit/>
+          </a:bodyPr>
+          <a:lstStyle/>
+          <a:p>
+            <a:pPr algn="ctr"/>
+            <a:r>
+              <a:rPr lang="en-US" sz="2400" dirty="0" smtClean="0"/>
+              <a:t>n</a:t>
+            </a:r>
+            <a:r>
+              <a:rPr lang="en-US" sz="2400" baseline="-25000" dirty="0" smtClean="0"/>
+              <a:t>1</a:t>
+            </a:r>
+            <a:br>
+              <a:rPr lang="en-US" sz="2400" baseline="-25000" dirty="0" smtClean="0"/>
+            </a:br>
+            <a:endParaRPr lang="en-US" sz="2400" dirty="0"/>
+          </a:p>
+        </p:txBody>
+      </p:sp>
+      <p:sp>
+        <p:nvSpPr>
+          <p:cNvPr id="35" name="TextBox 34"/>
+          <p:cNvSpPr txBox="1"/>
+          <p:nvPr/>
+        </p:nvSpPr>
+        <p:spPr>
+          <a:xfrm>
+            <a:off x="2434210" y="71991"/>
+            <a:ext cx="1367231" cy="830997"/>
+          </a:xfrm>
+          <a:prstGeom prst="rect">
+            <a:avLst/>
+          </a:prstGeom>
+          <a:noFill/>
+        </p:spPr>
+        <p:txBody>
+          <a:bodyPr wrap="none" rtlCol="0">
+            <a:spAutoFit/>
+          </a:bodyPr>
+          <a:lstStyle/>
+          <a:p>
+            <a:pPr algn="ctr"/>
+            <a:r>
+              <a:rPr lang="en-US" sz="2400" dirty="0" smtClean="0"/>
+              <a:t>n</a:t>
+            </a:r>
+            <a:r>
+              <a:rPr lang="en-US" sz="2400" baseline="-25000" dirty="0" smtClean="0"/>
+              <a:t>2</a:t>
+            </a:r>
+          </a:p>
+          <a:p>
+            <a:pPr algn="ctr"/>
+            <a:r>
+              <a:rPr lang="en-US" sz="2400" dirty="0" smtClean="0"/>
+              <a:t>(stores X)</a:t>
+            </a:r>
+            <a:endParaRPr lang="en-US" sz="2400" dirty="0"/>
+          </a:p>
+        </p:txBody>
+      </p:sp>
+      <p:sp>
+        <p:nvSpPr>
+          <p:cNvPr id="36" name="TextBox 35"/>
+          <p:cNvSpPr txBox="1"/>
+          <p:nvPr/>
+        </p:nvSpPr>
+        <p:spPr>
+          <a:xfrm>
+            <a:off x="4015468" y="46876"/>
+            <a:ext cx="1357463" cy="830997"/>
+          </a:xfrm>
+          <a:prstGeom prst="rect">
+            <a:avLst/>
+          </a:prstGeom>
+          <a:noFill/>
+        </p:spPr>
+        <p:txBody>
+          <a:bodyPr wrap="none" rtlCol="0">
+            <a:spAutoFit/>
+          </a:bodyPr>
+          <a:lstStyle/>
+          <a:p>
+            <a:pPr lvl="0" algn="ctr"/>
+            <a:r>
+              <a:rPr lang="en-US" sz="2400" dirty="0" smtClean="0">
+                <a:solidFill>
+                  <a:prstClr val="black"/>
+                </a:solidFill>
+              </a:rPr>
+              <a:t>n</a:t>
+            </a:r>
+            <a:r>
+              <a:rPr lang="en-US" sz="2400" baseline="-25000" dirty="0" smtClean="0">
+                <a:solidFill>
+                  <a:prstClr val="black"/>
+                </a:solidFill>
+              </a:rPr>
+              <a:t>3</a:t>
+            </a:r>
+            <a:r>
+              <a:rPr lang="en-US" sz="2400" baseline="-25000" dirty="0">
+                <a:solidFill>
+                  <a:prstClr val="black"/>
+                </a:solidFill>
+              </a:rPr>
+              <a:t/>
+            </a:r>
+            <a:br>
+              <a:rPr lang="en-US" sz="2400" baseline="-25000" dirty="0">
+                <a:solidFill>
+                  <a:prstClr val="black"/>
+                </a:solidFill>
+              </a:rPr>
+            </a:br>
+            <a:r>
+              <a:rPr lang="en-US" sz="2400" dirty="0">
+                <a:solidFill>
+                  <a:prstClr val="black"/>
+                </a:solidFill>
+              </a:rPr>
+              <a:t>(stores </a:t>
+            </a:r>
+            <a:r>
+              <a:rPr lang="en-US" sz="2400" dirty="0" smtClean="0">
+                <a:solidFill>
+                  <a:prstClr val="black"/>
+                </a:solidFill>
+              </a:rPr>
+              <a:t>Y)</a:t>
+            </a:r>
+            <a:endParaRPr lang="en-US" sz="2400" dirty="0">
+              <a:solidFill>
+                <a:prstClr val="black"/>
+              </a:solidFill>
+            </a:endParaRPr>
+          </a:p>
+        </p:txBody>
+      </p:sp>
+      <p:sp>
+        <p:nvSpPr>
+          <p:cNvPr id="37" name="TextBox 36"/>
+          <p:cNvSpPr txBox="1"/>
+          <p:nvPr/>
+        </p:nvSpPr>
+        <p:spPr>
+          <a:xfrm>
+            <a:off x="6013577" y="21761"/>
+            <a:ext cx="1351602" cy="830997"/>
+          </a:xfrm>
+          <a:prstGeom prst="rect">
+            <a:avLst/>
+          </a:prstGeom>
+          <a:noFill/>
+        </p:spPr>
+        <p:txBody>
+          <a:bodyPr wrap="none" rtlCol="0">
+            <a:spAutoFit/>
+          </a:bodyPr>
+          <a:lstStyle/>
+          <a:p>
+            <a:pPr algn="ctr"/>
+            <a:r>
+              <a:rPr lang="en-US" sz="2400" dirty="0" smtClean="0"/>
+              <a:t>n</a:t>
+            </a:r>
+            <a:r>
+              <a:rPr lang="en-US" sz="2400" baseline="-25000" dirty="0"/>
+              <a:t>4</a:t>
+            </a:r>
+            <a:r>
+              <a:rPr lang="en-US" sz="2400" baseline="-25000" dirty="0" smtClean="0"/>
+              <a:t/>
+            </a:r>
+            <a:br>
+              <a:rPr lang="en-US" sz="2400" baseline="-25000" dirty="0" smtClean="0"/>
+            </a:br>
+            <a:r>
+              <a:rPr lang="en-US" sz="2400" dirty="0" smtClean="0"/>
+              <a:t>(stores Z)</a:t>
+            </a:r>
+            <a:endParaRPr lang="en-US" sz="2400" dirty="0"/>
+          </a:p>
+        </p:txBody>
+      </p:sp>
+      <p:sp>
+        <p:nvSpPr>
+          <p:cNvPr id="38" name="TextBox 37"/>
+          <p:cNvSpPr txBox="1"/>
+          <p:nvPr/>
+        </p:nvSpPr>
+        <p:spPr>
+          <a:xfrm>
+            <a:off x="1351477" y="3524231"/>
+            <a:ext cx="1614294" cy="461665"/>
+          </a:xfrm>
+          <a:prstGeom prst="rect">
+            <a:avLst/>
+          </a:prstGeom>
+          <a:noFill/>
+        </p:spPr>
+        <p:txBody>
+          <a:bodyPr wrap="none" rtlCol="0">
+            <a:spAutoFit/>
+          </a:bodyPr>
+          <a:lstStyle/>
+          <a:p>
+            <a:r>
+              <a:rPr lang="en-US" sz="2400" dirty="0" smtClean="0"/>
+              <a:t>Prepare(Y</a:t>
+            </a:r>
+            <a:r>
+              <a:rPr lang="en-US" sz="2400" baseline="30000" dirty="0" smtClean="0"/>
+              <a:t>2</a:t>
+            </a:r>
+            <a:r>
+              <a:rPr lang="en-US" sz="2400" dirty="0" smtClean="0"/>
+              <a:t>)</a:t>
+            </a:r>
+            <a:endParaRPr lang="en-US" sz="2400" dirty="0"/>
+          </a:p>
+        </p:txBody>
+      </p:sp>
+      <p:sp>
+        <p:nvSpPr>
+          <p:cNvPr id="39" name="Rectangle 38"/>
+          <p:cNvSpPr/>
+          <p:nvPr/>
+        </p:nvSpPr>
+        <p:spPr>
+          <a:xfrm>
+            <a:off x="1371600" y="927047"/>
+            <a:ext cx="362636" cy="998282"/>
+          </a:xfrm>
+          <a:prstGeom prst="rect">
+            <a:avLst/>
+          </a:prstGeom>
+        </p:spPr>
+        <p:style>
+          <a:lnRef idx="2">
+            <a:schemeClr val="dk1"/>
+          </a:lnRef>
+          <a:fillRef idx="1">
+            <a:schemeClr val="lt1"/>
+          </a:fillRef>
+          <a:effectRef idx="0">
+            <a:schemeClr val="dk1"/>
+          </a:effectRef>
+          <a:fontRef idx="minor">
+            <a:schemeClr val="dk1"/>
+          </a:fontRef>
+        </p:style>
+        <p:txBody>
+          <a:bodyPr rtlCol="0" anchor="ctr"/>
+          <a:lstStyle/>
+          <a:p>
+            <a:pPr algn="ctr">
+              <a:lnSpc>
+                <a:spcPct val="70000"/>
+              </a:lnSpc>
+            </a:pPr>
+            <a:r>
+              <a:rPr lang="en-US" dirty="0" smtClean="0"/>
+              <a:t>EXEC</a:t>
+            </a:r>
+            <a:endParaRPr lang="en-US" dirty="0"/>
+          </a:p>
+        </p:txBody>
+      </p:sp>
+      <p:sp>
+        <p:nvSpPr>
+          <p:cNvPr id="42" name="Freeform 41"/>
+          <p:cNvSpPr/>
+          <p:nvPr/>
+        </p:nvSpPr>
+        <p:spPr>
+          <a:xfrm>
+            <a:off x="6595560" y="2020896"/>
+            <a:ext cx="273108" cy="464255"/>
+          </a:xfrm>
+          <a:custGeom>
+            <a:avLst/>
+            <a:gdLst>
+              <a:gd name="connsiteX0" fmla="*/ 0 w 273108"/>
+              <a:gd name="connsiteY0" fmla="*/ 0 h 464255"/>
+              <a:gd name="connsiteX1" fmla="*/ 273108 w 273108"/>
+              <a:gd name="connsiteY1" fmla="*/ 245782 h 464255"/>
+              <a:gd name="connsiteX2" fmla="*/ 0 w 273108"/>
+              <a:gd name="connsiteY2" fmla="*/ 464255 h 464255"/>
+            </a:gdLst>
+            <a:ahLst/>
+            <a:cxnLst>
+              <a:cxn ang="0">
+                <a:pos x="connsiteX0" y="connsiteY0"/>
+              </a:cxn>
+              <a:cxn ang="0">
+                <a:pos x="connsiteX1" y="connsiteY1"/>
+              </a:cxn>
+              <a:cxn ang="0">
+                <a:pos x="connsiteX2" y="connsiteY2"/>
+              </a:cxn>
+            </a:cxnLst>
+            <a:rect l="l" t="t" r="r" b="b"/>
+            <a:pathLst>
+              <a:path w="273108" h="464255">
+                <a:moveTo>
+                  <a:pt x="0" y="0"/>
+                </a:moveTo>
+                <a:cubicBezTo>
+                  <a:pt x="136554" y="84203"/>
+                  <a:pt x="273108" y="168406"/>
+                  <a:pt x="273108" y="245782"/>
+                </a:cubicBezTo>
+                <a:cubicBezTo>
+                  <a:pt x="273108" y="323158"/>
+                  <a:pt x="0" y="464255"/>
+                  <a:pt x="0" y="464255"/>
+                </a:cubicBezTo>
+              </a:path>
+            </a:pathLst>
+          </a:custGeom>
+          <a:ln>
+            <a:headEnd type="none"/>
+            <a:tailEnd type="triangle"/>
+          </a:ln>
+        </p:spPr>
+        <p:style>
+          <a:lnRef idx="2">
+            <a:schemeClr val="accent1"/>
+          </a:lnRef>
+          <a:fillRef idx="0">
+            <a:schemeClr val="accent1"/>
+          </a:fillRef>
+          <a:effectRef idx="1">
+            <a:schemeClr val="accent1"/>
+          </a:effectRef>
+          <a:fontRef idx="minor">
+            <a:schemeClr val="tx1"/>
+          </a:fontRef>
+        </p:style>
+        <p:txBody>
+          <a:bodyPr rtlCol="0" anchor="ctr"/>
+          <a:lstStyle/>
+          <a:p>
+            <a:pPr algn="ctr"/>
+            <a:endParaRPr lang="en-US" sz="2400"/>
+          </a:p>
+        </p:txBody>
+      </p:sp>
+      <p:sp>
+        <p:nvSpPr>
+          <p:cNvPr id="43" name="Rectangle 42"/>
+          <p:cNvSpPr/>
+          <p:nvPr/>
+        </p:nvSpPr>
+        <p:spPr>
+          <a:xfrm>
+            <a:off x="6615941" y="985359"/>
+            <a:ext cx="362636" cy="1007997"/>
+          </a:xfrm>
+          <a:prstGeom prst="rect">
+            <a:avLst/>
+          </a:prstGeom>
+        </p:spPr>
+        <p:style>
+          <a:lnRef idx="2">
+            <a:schemeClr val="dk1"/>
+          </a:lnRef>
+          <a:fillRef idx="1">
+            <a:schemeClr val="lt1"/>
+          </a:fillRef>
+          <a:effectRef idx="0">
+            <a:schemeClr val="dk1"/>
+          </a:effectRef>
+          <a:fontRef idx="minor">
+            <a:schemeClr val="dk1"/>
+          </a:fontRef>
+        </p:style>
+        <p:txBody>
+          <a:bodyPr rtlCol="0" anchor="ctr"/>
+          <a:lstStyle/>
+          <a:p>
+            <a:pPr algn="ctr">
+              <a:lnSpc>
+                <a:spcPct val="70000"/>
+              </a:lnSpc>
+            </a:pPr>
+            <a:r>
+              <a:rPr lang="en-US" dirty="0" smtClean="0"/>
+              <a:t>EXEC</a:t>
+            </a:r>
+            <a:endParaRPr lang="en-US" dirty="0"/>
+          </a:p>
+        </p:txBody>
+      </p:sp>
+      <p:sp>
+        <p:nvSpPr>
+          <p:cNvPr id="44" name="Rectangle 43"/>
+          <p:cNvSpPr/>
+          <p:nvPr/>
+        </p:nvSpPr>
+        <p:spPr>
+          <a:xfrm>
+            <a:off x="6620331" y="3115536"/>
+            <a:ext cx="362636" cy="1294953"/>
+          </a:xfrm>
+          <a:prstGeom prst="rect">
+            <a:avLst/>
+          </a:prstGeom>
+        </p:spPr>
+        <p:style>
+          <a:lnRef idx="2">
+            <a:schemeClr val="dk1"/>
+          </a:lnRef>
+          <a:fillRef idx="1">
+            <a:schemeClr val="lt1"/>
+          </a:fillRef>
+          <a:effectRef idx="0">
+            <a:schemeClr val="dk1"/>
+          </a:effectRef>
+          <a:fontRef idx="minor">
+            <a:schemeClr val="dk1"/>
+          </a:fontRef>
+        </p:style>
+        <p:txBody>
+          <a:bodyPr rtlCol="0" anchor="ctr"/>
+          <a:lstStyle/>
+          <a:p>
+            <a:pPr algn="ctr">
+              <a:lnSpc>
+                <a:spcPct val="70000"/>
+              </a:lnSpc>
+            </a:pPr>
+            <a:r>
+              <a:rPr lang="en-US" dirty="0" smtClean="0"/>
+              <a:t>EXEC</a:t>
+            </a:r>
+            <a:endParaRPr lang="en-US" dirty="0"/>
+          </a:p>
+        </p:txBody>
+      </p:sp>
+      <p:sp>
+        <p:nvSpPr>
+          <p:cNvPr id="45" name="TextBox 44"/>
+          <p:cNvSpPr txBox="1"/>
+          <p:nvPr/>
+        </p:nvSpPr>
+        <p:spPr>
+          <a:xfrm>
+            <a:off x="7365179" y="2771222"/>
+            <a:ext cx="490639" cy="461665"/>
+          </a:xfrm>
+          <a:prstGeom prst="rect">
+            <a:avLst/>
+          </a:prstGeom>
+          <a:noFill/>
+        </p:spPr>
+        <p:txBody>
+          <a:bodyPr wrap="none" rtlCol="0">
+            <a:spAutoFit/>
+          </a:bodyPr>
+          <a:lstStyle/>
+          <a:p>
+            <a:r>
+              <a:rPr lang="en-US" sz="2400" dirty="0" smtClean="0"/>
+              <a:t>T3</a:t>
+            </a:r>
+            <a:endParaRPr lang="en-US" sz="2400" dirty="0"/>
+          </a:p>
+        </p:txBody>
+      </p:sp>
+      <p:sp>
+        <p:nvSpPr>
+          <p:cNvPr id="46" name="TextBox 45"/>
+          <p:cNvSpPr txBox="1"/>
+          <p:nvPr/>
+        </p:nvSpPr>
+        <p:spPr>
+          <a:xfrm>
+            <a:off x="4925069" y="4724929"/>
+            <a:ext cx="1646304" cy="830997"/>
+          </a:xfrm>
+          <a:prstGeom prst="rect">
+            <a:avLst/>
+          </a:prstGeom>
+          <a:noFill/>
+        </p:spPr>
+        <p:txBody>
+          <a:bodyPr wrap="none" rtlCol="0">
+            <a:spAutoFit/>
+          </a:bodyPr>
+          <a:lstStyle/>
+          <a:p>
+            <a:endParaRPr lang="en-US" sz="2400" dirty="0" smtClean="0"/>
+          </a:p>
+          <a:p>
+            <a:r>
+              <a:rPr lang="en-US" sz="2400" dirty="0" smtClean="0"/>
+              <a:t>read(Y)</a:t>
+            </a:r>
+            <a:r>
+              <a:rPr lang="en-US" sz="2400" dirty="0" smtClean="0">
+                <a:sym typeface="Wingdings"/>
+              </a:rPr>
+              <a:t></a:t>
+            </a:r>
+            <a:r>
+              <a:rPr lang="en-US" sz="2400" dirty="0" smtClean="0">
+                <a:sym typeface="Wingdings"/>
+              </a:rPr>
+              <a:t>Y</a:t>
+            </a:r>
+            <a:r>
+              <a:rPr lang="en-US" sz="2400" baseline="30000" dirty="0" smtClean="0">
+                <a:sym typeface="Wingdings"/>
+              </a:rPr>
+              <a:t>1</a:t>
+            </a:r>
+            <a:endParaRPr lang="en-US" sz="2400" baseline="30000" dirty="0"/>
+          </a:p>
+        </p:txBody>
+      </p:sp>
+      <p:sp>
+        <p:nvSpPr>
+          <p:cNvPr id="47" name="TextBox 46"/>
+          <p:cNvSpPr txBox="1"/>
+          <p:nvPr/>
+        </p:nvSpPr>
+        <p:spPr>
+          <a:xfrm>
+            <a:off x="7026174" y="1271673"/>
+            <a:ext cx="1506242" cy="830997"/>
+          </a:xfrm>
+          <a:prstGeom prst="rect">
+            <a:avLst/>
+          </a:prstGeom>
+          <a:noFill/>
+        </p:spPr>
+        <p:txBody>
+          <a:bodyPr wrap="none" rtlCol="0">
+            <a:spAutoFit/>
+          </a:bodyPr>
+          <a:lstStyle/>
+          <a:p>
+            <a:r>
+              <a:rPr lang="en-US" sz="2400" dirty="0" smtClean="0"/>
+              <a:t>write(Z,Z</a:t>
+            </a:r>
+            <a:r>
+              <a:rPr lang="en-US" sz="2400" baseline="30000" dirty="0" smtClean="0"/>
+              <a:t>1</a:t>
+            </a:r>
+            <a:r>
+              <a:rPr lang="en-US" sz="2400" dirty="0" smtClean="0"/>
+              <a:t>)</a:t>
+            </a:r>
+            <a:r>
+              <a:rPr lang="en-US" sz="2400" baseline="30000" dirty="0"/>
+              <a:t/>
+            </a:r>
+            <a:br>
+              <a:rPr lang="en-US" sz="2400" baseline="30000" dirty="0"/>
+            </a:br>
+            <a:r>
+              <a:rPr lang="en-US" sz="2400" dirty="0"/>
+              <a:t>write(Y,</a:t>
+            </a:r>
+            <a:r>
+              <a:rPr lang="en-US" sz="2400" dirty="0" smtClean="0"/>
+              <a:t>Y</a:t>
+            </a:r>
+            <a:r>
+              <a:rPr lang="en-US" sz="2400" baseline="30000" dirty="0" smtClean="0"/>
+              <a:t>1</a:t>
+            </a:r>
+            <a:r>
+              <a:rPr lang="en-US" sz="2400" dirty="0" smtClean="0"/>
+              <a:t>)</a:t>
+            </a:r>
+            <a:endParaRPr lang="en-US" sz="2400" baseline="30000" dirty="0"/>
+          </a:p>
+        </p:txBody>
+      </p:sp>
+      <p:sp>
+        <p:nvSpPr>
+          <p:cNvPr id="48" name="TextBox 47"/>
+          <p:cNvSpPr txBox="1"/>
+          <p:nvPr/>
+        </p:nvSpPr>
+        <p:spPr>
+          <a:xfrm>
+            <a:off x="-51695" y="1190833"/>
+            <a:ext cx="1525778" cy="830997"/>
+          </a:xfrm>
+          <a:prstGeom prst="rect">
+            <a:avLst/>
+          </a:prstGeom>
+          <a:noFill/>
+        </p:spPr>
+        <p:txBody>
+          <a:bodyPr wrap="none" rtlCol="0">
+            <a:spAutoFit/>
+          </a:bodyPr>
+          <a:lstStyle/>
+          <a:p>
+            <a:r>
+              <a:rPr lang="en-US" sz="2400" dirty="0" smtClean="0"/>
+              <a:t>write(X,X</a:t>
+            </a:r>
+            <a:r>
+              <a:rPr lang="en-US" sz="2400" baseline="30000" dirty="0" smtClean="0"/>
+              <a:t>2</a:t>
+            </a:r>
+            <a:r>
+              <a:rPr lang="en-US" sz="2400" dirty="0" smtClean="0"/>
+              <a:t>)</a:t>
+            </a:r>
+          </a:p>
+          <a:p>
+            <a:r>
+              <a:rPr lang="en-US" sz="2400" dirty="0" smtClean="0"/>
+              <a:t>write(Y,Y</a:t>
+            </a:r>
+            <a:r>
+              <a:rPr lang="en-US" sz="2400" baseline="30000" dirty="0" smtClean="0"/>
+              <a:t>2</a:t>
+            </a:r>
+            <a:r>
+              <a:rPr lang="en-US" sz="2400" dirty="0" smtClean="0"/>
+              <a:t>)</a:t>
+            </a:r>
+            <a:endParaRPr lang="en-US" sz="2400" baseline="30000" dirty="0" smtClean="0"/>
+          </a:p>
+        </p:txBody>
+      </p:sp>
+      <p:cxnSp>
+        <p:nvCxnSpPr>
+          <p:cNvPr id="29" name="Straight Connector 28"/>
+          <p:cNvCxnSpPr>
+            <a:stCxn id="42" idx="0"/>
+          </p:cNvCxnSpPr>
+          <p:nvPr/>
+        </p:nvCxnSpPr>
+        <p:spPr>
+          <a:xfrm flipH="1">
+            <a:off x="4680585" y="2020896"/>
+            <a:ext cx="1914975" cy="699081"/>
+          </a:xfrm>
+          <a:prstGeom prst="line">
+            <a:avLst/>
+          </a:prstGeom>
+          <a:ln>
+            <a:tailEnd type="triangle" w="lg" len="med"/>
+          </a:ln>
+        </p:spPr>
+        <p:style>
+          <a:lnRef idx="2">
+            <a:schemeClr val="accent1"/>
+          </a:lnRef>
+          <a:fillRef idx="0">
+            <a:schemeClr val="accent1"/>
+          </a:fillRef>
+          <a:effectRef idx="1">
+            <a:schemeClr val="accent1"/>
+          </a:effectRef>
+          <a:fontRef idx="minor">
+            <a:schemeClr val="tx1"/>
+          </a:fontRef>
+        </p:style>
+      </p:cxnSp>
+      <p:sp>
+        <p:nvSpPr>
+          <p:cNvPr id="33" name="TextBox 32"/>
+          <p:cNvSpPr txBox="1"/>
+          <p:nvPr/>
+        </p:nvSpPr>
+        <p:spPr>
+          <a:xfrm>
+            <a:off x="4668814" y="1740446"/>
+            <a:ext cx="1614294" cy="461665"/>
+          </a:xfrm>
+          <a:prstGeom prst="rect">
+            <a:avLst/>
+          </a:prstGeom>
+          <a:noFill/>
+        </p:spPr>
+        <p:txBody>
+          <a:bodyPr wrap="none" rtlCol="0">
+            <a:spAutoFit/>
+          </a:bodyPr>
+          <a:lstStyle/>
+          <a:p>
+            <a:r>
+              <a:rPr lang="en-US" sz="2400" dirty="0" smtClean="0"/>
+              <a:t>Prepare</a:t>
+            </a:r>
+            <a:r>
+              <a:rPr lang="en-US" sz="2400" dirty="0" smtClean="0"/>
+              <a:t>(Y</a:t>
+            </a:r>
+            <a:r>
+              <a:rPr lang="en-US" sz="2400" baseline="30000" dirty="0" smtClean="0"/>
+              <a:t>1</a:t>
+            </a:r>
+            <a:r>
+              <a:rPr lang="en-US" sz="2400" dirty="0" smtClean="0"/>
+              <a:t>)</a:t>
+            </a:r>
+            <a:endParaRPr lang="en-US" sz="2400" dirty="0"/>
+          </a:p>
+        </p:txBody>
+      </p:sp>
+    </p:spTree>
+    <p:extLst>
+      <p:ext uri="{BB962C8B-B14F-4D97-AF65-F5344CB8AC3E}">
+        <p14:creationId xmlns:p14="http://schemas.microsoft.com/office/powerpoint/2010/main" val="4104652936"/>
       </p:ext>
     </p:extLst>
   </p:cSld>
